--- a/presentations/Session_4_Circuit_Breaker.pptx
+++ b/presentations/Session_4_Circuit_Breaker.pptx
@@ -228,7 +228,7 @@
           <a:p>
             <a:fld id="{372E5B6B-8713-8747-AE5B-F1241B2BF5F0}" type="datetimeFigureOut">
               <a:rPr lang="en-US" smtClean="0"/>
-              <a:t>5/18/16</a:t>
+              <a:t>11/22/16</a:t>
             </a:fld>
             <a:endParaRPr lang="en-US"/>
           </a:p>
@@ -394,7 +394,7 @@
           <a:p>
             <a:fld id="{7E7B7340-DDD5-1B49-81AA-25BC4050C073}" type="datetimeFigureOut">
               <a:rPr lang="en-US" smtClean="0"/>
-              <a:t>5/18/16</a:t>
+              <a:t>11/22/16</a:t>
             </a:fld>
             <a:endParaRPr lang="en-US"/>
           </a:p>
@@ -7744,30 +7744,6 @@
           </a:p>
         </p:txBody>
       </p:sp>
-      <p:pic>
-        <p:nvPicPr>
-          <p:cNvPr id="7" name="Picture 6"/>
-          <p:cNvPicPr>
-            <a:picLocks noChangeAspect="1"/>
-          </p:cNvPicPr>
-          <p:nvPr/>
-        </p:nvPicPr>
-        <p:blipFill>
-          <a:blip r:embed="rId5"/>
-          <a:stretch>
-            <a:fillRect/>
-          </a:stretch>
-        </p:blipFill>
-        <p:spPr>
-          <a:xfrm>
-            <a:off x="8196204" y="1558"/>
-            <a:ext cx="947796" cy="947796"/>
-          </a:xfrm>
-          <a:prstGeom prst="rect">
-            <a:avLst/>
-          </a:prstGeom>
-        </p:spPr>
-      </p:pic>
     </p:spTree>
     <p:extLst>
       <p:ext uri="{BB962C8B-B14F-4D97-AF65-F5344CB8AC3E}">
@@ -10526,15 +10502,7 @@
             </a:r>
             <a:r>
               <a:rPr lang="en-US" sz="1800" b="1" dirty="0" smtClean="0"/>
-              <a:t> </a:t>
-            </a:r>
-            <a:r>
-              <a:rPr lang="en-US" sz="1800" b="1" dirty="0" smtClean="0"/>
-              <a:t>publishes </a:t>
-            </a:r>
-            <a:r>
-              <a:rPr lang="en-US" sz="1800" b="1" dirty="0" smtClean="0"/>
-              <a:t>real-time metrics for each </a:t>
+              <a:t> publishes real-time metrics for each </a:t>
             </a:r>
             <a:r>
               <a:rPr lang="en-US" sz="1800" b="1" dirty="0" smtClean="0">
